--- a/Presentations/Pipeline_Week6.pptx
+++ b/Presentations/Pipeline_Week6.pptx
@@ -4524,10 +4524,10 @@
       </p:sp>
       <p:pic>
         <p:nvPicPr>
-          <p:cNvPr id="17" name="Picture 17" descr="A close up of a logo&#10;&#10;Description generated with very high confidence">
+          <p:cNvPr id="4" name="Picture 4" descr="A close up of a logo&#10;&#10;Description generated with high confidence">
             <a:extLst>
               <a:ext uri="{FF2B5EF4-FFF2-40B4-BE49-F238E27FC236}">
-                <a16:creationId xmlns:a16="http://schemas.microsoft.com/office/drawing/2014/main" id="{3709703F-4DA9-45C5-9C02-8B4A199DA003}"/>
+                <a16:creationId xmlns:a16="http://schemas.microsoft.com/office/drawing/2014/main" id="{9371DAF9-4687-4D4F-A082-81FC9269FB8E}"/>
               </a:ext>
             </a:extLst>
           </p:cNvPr>
@@ -4544,8 +4544,8 @@
         </p:blipFill>
         <p:spPr>
           <a:xfrm>
-            <a:off x="3540285" y="4164527"/>
-            <a:ext cx="7512551" cy="1237060"/>
+            <a:off x="4212431" y="4301762"/>
+            <a:ext cx="6219824" cy="1433444"/>
           </a:xfrm>
           <a:prstGeom prst="rect">
             <a:avLst/>
